--- a/HW3/HW3.pptx
+++ b/HW3/HW3.pptx
@@ -9,6 +9,7 @@
     <p:sldId id="257" r:id="rId3"/>
     <p:sldId id="258" r:id="rId4"/>
     <p:sldId id="259" r:id="rId5"/>
+    <p:sldId id="260" r:id="rId6"/>
   </p:sldIdLst>
   <p:sldSz cx="12192000" cy="6858000"/>
   <p:notesSz cx="6858000" cy="9144000"/>
@@ -107,13 +108,18 @@
       </a:defRPr>
     </a:lvl9pPr>
   </p:defaultTextStyle>
+  <p:extLst>
+    <p:ext uri="{EFAFB233-063F-42B5-8137-9DF3F51BA10A}">
+      <p15:sldGuideLst xmlns:p15="http://schemas.microsoft.com/office/powerpoint/2012/main"/>
+    </p:ext>
+  </p:extLst>
 </p:presentation>
 </file>
 
 <file path=ppt/revisionInfo.xml><?xml version="1.0" encoding="utf-8"?>
 <p1510:revInfo xmlns:a="http://schemas.openxmlformats.org/drawingml/2006/main" xmlns:r="http://schemas.openxmlformats.org/officeDocument/2006/relationships" xmlns:p1510="http://schemas.microsoft.com/office/powerpoint/2015/10/main">
   <p1510:revLst>
-    <p1510:client id="{054ADD90-6CF6-46AD-9BF0-23CAB15A759E}" v="18" dt="2024-03-26T15:08:35.651"/>
+    <p1510:client id="{054ADD90-6CF6-46AD-9BF0-23CAB15A759E}" v="19" dt="2024-03-26T16:13:47.350"/>
   </p1510:revLst>
 </p1510:revInfo>
 </file>
@@ -123,7 +129,7 @@
   <pc:docChgLst>
     <pc:chgData name="zhanqian wu" userId="d2c6610ee194b056" providerId="LiveId" clId="{054ADD90-6CF6-46AD-9BF0-23CAB15A759E}"/>
     <pc:docChg chg="undo custSel addSld modSld">
-      <pc:chgData name="zhanqian wu" userId="d2c6610ee194b056" providerId="LiveId" clId="{054ADD90-6CF6-46AD-9BF0-23CAB15A759E}" dt="2024-03-26T15:08:49.659" v="224" actId="1076"/>
+      <pc:chgData name="zhanqian wu" userId="d2c6610ee194b056" providerId="LiveId" clId="{054ADD90-6CF6-46AD-9BF0-23CAB15A759E}" dt="2024-03-26T16:13:50.596" v="227" actId="14100"/>
       <pc:docMkLst>
         <pc:docMk/>
       </pc:docMkLst>
@@ -459,6 +465,29 @@
           </ac:picMkLst>
         </pc:picChg>
       </pc:sldChg>
+      <pc:sldChg chg="addSp delSp modSp new mod">
+        <pc:chgData name="zhanqian wu" userId="d2c6610ee194b056" providerId="LiveId" clId="{054ADD90-6CF6-46AD-9BF0-23CAB15A759E}" dt="2024-03-26T16:13:50.596" v="227" actId="14100"/>
+        <pc:sldMkLst>
+          <pc:docMk/>
+          <pc:sldMk cId="3304566687" sldId="260"/>
+        </pc:sldMkLst>
+        <pc:spChg chg="del">
+          <ac:chgData name="zhanqian wu" userId="d2c6610ee194b056" providerId="LiveId" clId="{054ADD90-6CF6-46AD-9BF0-23CAB15A759E}" dt="2024-03-26T16:13:47.350" v="226"/>
+          <ac:spMkLst>
+            <pc:docMk/>
+            <pc:sldMk cId="3304566687" sldId="260"/>
+            <ac:spMk id="3" creationId="{31BA4366-1968-2C3E-FF45-1C07EE5F3497}"/>
+          </ac:spMkLst>
+        </pc:spChg>
+        <pc:picChg chg="add mod">
+          <ac:chgData name="zhanqian wu" userId="d2c6610ee194b056" providerId="LiveId" clId="{054ADD90-6CF6-46AD-9BF0-23CAB15A759E}" dt="2024-03-26T16:13:50.596" v="227" actId="14100"/>
+          <ac:picMkLst>
+            <pc:docMk/>
+            <pc:sldMk cId="3304566687" sldId="260"/>
+            <ac:picMk id="4" creationId="{389C1ECF-48ED-E01E-EEEA-6E98BB1EEFA0}"/>
+          </ac:picMkLst>
+        </pc:picChg>
+      </pc:sldChg>
     </pc:docChg>
   </pc:docChgLst>
 </pc:chgInfo>
@@ -4489,6 +4518,93 @@
 </p:sld>
 </file>
 
+<file path=ppt/slides/slide5.xml><?xml version="1.0" encoding="utf-8"?>
+<p:sld xmlns:a="http://schemas.openxmlformats.org/drawingml/2006/main" xmlns:r="http://schemas.openxmlformats.org/officeDocument/2006/relationships" xmlns:p="http://schemas.openxmlformats.org/presentationml/2006/main">
+  <p:cSld>
+    <p:spTree>
+      <p:nvGrpSpPr>
+        <p:cNvPr id="1" name=""/>
+        <p:cNvGrpSpPr/>
+        <p:nvPr/>
+      </p:nvGrpSpPr>
+      <p:grpSpPr>
+        <a:xfrm>
+          <a:off x="0" y="0"/>
+          <a:ext cx="0" cy="0"/>
+          <a:chOff x="0" y="0"/>
+          <a:chExt cx="0" cy="0"/>
+        </a:xfrm>
+      </p:grpSpPr>
+      <p:sp>
+        <p:nvSpPr>
+          <p:cNvPr id="2" name="Title 1">
+            <a:extLst>
+              <a:ext uri="{FF2B5EF4-FFF2-40B4-BE49-F238E27FC236}">
+                <a16:creationId xmlns:a16="http://schemas.microsoft.com/office/drawing/2014/main" id="{446866E6-2A2E-D1E0-AF92-636BEB2F685B}"/>
+              </a:ext>
+            </a:extLst>
+          </p:cNvPr>
+          <p:cNvSpPr>
+            <a:spLocks noGrp="1"/>
+          </p:cNvSpPr>
+          <p:nvPr>
+            <p:ph type="title"/>
+          </p:nvPr>
+        </p:nvSpPr>
+        <p:spPr/>
+        <p:txBody>
+          <a:bodyPr/>
+          <a:lstStyle/>
+          <a:p>
+            <a:endParaRPr lang="zh-CN" altLang="en-US"/>
+          </a:p>
+        </p:txBody>
+      </p:sp>
+      <p:pic>
+        <p:nvPicPr>
+          <p:cNvPr id="4" name="Content Placeholder 3">
+            <a:extLst>
+              <a:ext uri="{FF2B5EF4-FFF2-40B4-BE49-F238E27FC236}">
+                <a16:creationId xmlns:a16="http://schemas.microsoft.com/office/drawing/2014/main" id="{389C1ECF-48ED-E01E-EEEA-6E98BB1EEFA0}"/>
+              </a:ext>
+            </a:extLst>
+          </p:cNvPr>
+          <p:cNvPicPr>
+            <a:picLocks noGrp="1" noChangeAspect="1"/>
+          </p:cNvPicPr>
+          <p:nvPr>
+            <p:ph idx="1"/>
+          </p:nvPr>
+        </p:nvPicPr>
+        <p:blipFill>
+          <a:blip r:embed="rId2"/>
+          <a:stretch>
+            <a:fillRect/>
+          </a:stretch>
+        </p:blipFill>
+        <p:spPr>
+          <a:xfrm>
+            <a:off x="3519238" y="1993427"/>
+            <a:ext cx="3676908" cy="2865124"/>
+          </a:xfrm>
+          <a:prstGeom prst="rect">
+            <a:avLst/>
+          </a:prstGeom>
+        </p:spPr>
+      </p:pic>
+    </p:spTree>
+    <p:extLst>
+      <p:ext uri="{BB962C8B-B14F-4D97-AF65-F5344CB8AC3E}">
+        <p14:creationId xmlns:p14="http://schemas.microsoft.com/office/powerpoint/2010/main" val="3304566687"/>
+      </p:ext>
+    </p:extLst>
+  </p:cSld>
+  <p:clrMapOvr>
+    <a:masterClrMapping/>
+  </p:clrMapOvr>
+</p:sld>
+</file>
+
 <file path=ppt/theme/theme1.xml><?xml version="1.0" encoding="utf-8"?>
 <a:theme xmlns:a="http://schemas.openxmlformats.org/drawingml/2006/main" name="Office Theme">
   <a:themeElements>

--- a/HW3/HW3.pptx
+++ b/HW3/HW3.pptx
@@ -10,6 +10,8 @@
     <p:sldId id="258" r:id="rId4"/>
     <p:sldId id="259" r:id="rId5"/>
     <p:sldId id="260" r:id="rId6"/>
+    <p:sldId id="261" r:id="rId7"/>
+    <p:sldId id="262" r:id="rId8"/>
   </p:sldIdLst>
   <p:sldSz cx="12192000" cy="6858000"/>
   <p:notesSz cx="6858000" cy="9144000"/>
@@ -119,7 +121,7 @@
 <file path=ppt/revisionInfo.xml><?xml version="1.0" encoding="utf-8"?>
 <p1510:revInfo xmlns:a="http://schemas.openxmlformats.org/drawingml/2006/main" xmlns:r="http://schemas.openxmlformats.org/officeDocument/2006/relationships" xmlns:p1510="http://schemas.microsoft.com/office/powerpoint/2015/10/main">
   <p1510:revLst>
-    <p1510:client id="{054ADD90-6CF6-46AD-9BF0-23CAB15A759E}" v="19" dt="2024-03-26T16:13:47.350"/>
+    <p1510:client id="{054ADD90-6CF6-46AD-9BF0-23CAB15A759E}" v="32" dt="2024-03-29T04:02:40.311"/>
   </p1510:revLst>
 </p1510:revInfo>
 </file>
@@ -129,7 +131,7 @@
   <pc:docChgLst>
     <pc:chgData name="zhanqian wu" userId="d2c6610ee194b056" providerId="LiveId" clId="{054ADD90-6CF6-46AD-9BF0-23CAB15A759E}"/>
     <pc:docChg chg="undo custSel addSld modSld">
-      <pc:chgData name="zhanqian wu" userId="d2c6610ee194b056" providerId="LiveId" clId="{054ADD90-6CF6-46AD-9BF0-23CAB15A759E}" dt="2024-03-26T16:13:50.596" v="227" actId="14100"/>
+      <pc:chgData name="zhanqian wu" userId="d2c6610ee194b056" providerId="LiveId" clId="{054ADD90-6CF6-46AD-9BF0-23CAB15A759E}" dt="2024-03-29T04:02:50.191" v="316" actId="1076"/>
       <pc:docMkLst>
         <pc:docMk/>
       </pc:docMkLst>
@@ -485,6 +487,180 @@
             <pc:docMk/>
             <pc:sldMk cId="3304566687" sldId="260"/>
             <ac:picMk id="4" creationId="{389C1ECF-48ED-E01E-EEEA-6E98BB1EEFA0}"/>
+          </ac:picMkLst>
+        </pc:picChg>
+      </pc:sldChg>
+      <pc:sldChg chg="addSp delSp modSp new mod">
+        <pc:chgData name="zhanqian wu" userId="d2c6610ee194b056" providerId="LiveId" clId="{054ADD90-6CF6-46AD-9BF0-23CAB15A759E}" dt="2024-03-29T03:20:48.800" v="278" actId="1076"/>
+        <pc:sldMkLst>
+          <pc:docMk/>
+          <pc:sldMk cId="1940895207" sldId="261"/>
+        </pc:sldMkLst>
+        <pc:spChg chg="del">
+          <ac:chgData name="zhanqian wu" userId="d2c6610ee194b056" providerId="LiveId" clId="{054ADD90-6CF6-46AD-9BF0-23CAB15A759E}" dt="2024-03-29T03:19:10.831" v="230" actId="478"/>
+          <ac:spMkLst>
+            <pc:docMk/>
+            <pc:sldMk cId="1940895207" sldId="261"/>
+            <ac:spMk id="2" creationId="{458A59FC-2707-5EAC-5B50-5CF20C76E80F}"/>
+          </ac:spMkLst>
+        </pc:spChg>
+        <pc:spChg chg="del">
+          <ac:chgData name="zhanqian wu" userId="d2c6610ee194b056" providerId="LiveId" clId="{054ADD90-6CF6-46AD-9BF0-23CAB15A759E}" dt="2024-03-29T03:19:09.411" v="229" actId="478"/>
+          <ac:spMkLst>
+            <pc:docMk/>
+            <pc:sldMk cId="1940895207" sldId="261"/>
+            <ac:spMk id="3" creationId="{0411C61B-923D-8999-191C-61E233D026E0}"/>
+          </ac:spMkLst>
+        </pc:spChg>
+        <pc:graphicFrameChg chg="add del mod">
+          <ac:chgData name="zhanqian wu" userId="d2c6610ee194b056" providerId="LiveId" clId="{054ADD90-6CF6-46AD-9BF0-23CAB15A759E}" dt="2024-03-29T03:19:30.314" v="233"/>
+          <ac:graphicFrameMkLst>
+            <pc:docMk/>
+            <pc:sldMk cId="1940895207" sldId="261"/>
+            <ac:graphicFrameMk id="4" creationId="{B7D3A6A0-D9F2-F9EC-E7E5-922021E49C6E}"/>
+          </ac:graphicFrameMkLst>
+        </pc:graphicFrameChg>
+        <pc:picChg chg="add mod">
+          <ac:chgData name="zhanqian wu" userId="d2c6610ee194b056" providerId="LiveId" clId="{054ADD90-6CF6-46AD-9BF0-23CAB15A759E}" dt="2024-03-29T03:20:03.165" v="265" actId="1076"/>
+          <ac:picMkLst>
+            <pc:docMk/>
+            <pc:sldMk cId="1940895207" sldId="261"/>
+            <ac:picMk id="6" creationId="{762AE516-A68A-81EA-4B97-B09593652475}"/>
+          </ac:picMkLst>
+        </pc:picChg>
+        <pc:picChg chg="add mod">
+          <ac:chgData name="zhanqian wu" userId="d2c6610ee194b056" providerId="LiveId" clId="{054ADD90-6CF6-46AD-9BF0-23CAB15A759E}" dt="2024-03-29T03:20:27.428" v="273" actId="1076"/>
+          <ac:picMkLst>
+            <pc:docMk/>
+            <pc:sldMk cId="1940895207" sldId="261"/>
+            <ac:picMk id="8" creationId="{19ED4E11-962B-A279-D649-ECEA1652018C}"/>
+          </ac:picMkLst>
+        </pc:picChg>
+        <pc:picChg chg="add mod">
+          <ac:chgData name="zhanqian wu" userId="d2c6610ee194b056" providerId="LiveId" clId="{054ADD90-6CF6-46AD-9BF0-23CAB15A759E}" dt="2024-03-29T03:20:48.800" v="278" actId="1076"/>
+          <ac:picMkLst>
+            <pc:docMk/>
+            <pc:sldMk cId="1940895207" sldId="261"/>
+            <ac:picMk id="10" creationId="{5FD43F09-41F3-5F68-9D2A-5BBCDF0E3C42}"/>
+          </ac:picMkLst>
+        </pc:picChg>
+        <pc:picChg chg="add mod">
+          <ac:chgData name="zhanqian wu" userId="d2c6610ee194b056" providerId="LiveId" clId="{054ADD90-6CF6-46AD-9BF0-23CAB15A759E}" dt="2024-03-29T03:20:40.281" v="276" actId="1076"/>
+          <ac:picMkLst>
+            <pc:docMk/>
+            <pc:sldMk cId="1940895207" sldId="261"/>
+            <ac:picMk id="12" creationId="{87241CF3-66BE-73AF-A85B-FCBD189770DB}"/>
+          </ac:picMkLst>
+        </pc:picChg>
+        <pc:picChg chg="add mod">
+          <ac:chgData name="zhanqian wu" userId="d2c6610ee194b056" providerId="LiveId" clId="{054ADD90-6CF6-46AD-9BF0-23CAB15A759E}" dt="2024-03-29T03:20:10.332" v="266" actId="1076"/>
+          <ac:picMkLst>
+            <pc:docMk/>
+            <pc:sldMk cId="1940895207" sldId="261"/>
+            <ac:picMk id="14" creationId="{A206696D-37D9-1C38-0999-7AC988056F02}"/>
+          </ac:picMkLst>
+        </pc:picChg>
+        <pc:picChg chg="add mod">
+          <ac:chgData name="zhanqian wu" userId="d2c6610ee194b056" providerId="LiveId" clId="{054ADD90-6CF6-46AD-9BF0-23CAB15A759E}" dt="2024-03-29T03:20:22.108" v="272" actId="1076"/>
+          <ac:picMkLst>
+            <pc:docMk/>
+            <pc:sldMk cId="1940895207" sldId="261"/>
+            <ac:picMk id="16" creationId="{1CDB099F-6E5D-DC34-2B67-5356055CFD5B}"/>
+          </ac:picMkLst>
+        </pc:picChg>
+        <pc:picChg chg="add mod">
+          <ac:chgData name="zhanqian wu" userId="d2c6610ee194b056" providerId="LiveId" clId="{054ADD90-6CF6-46AD-9BF0-23CAB15A759E}" dt="2024-03-29T03:20:44.474" v="277" actId="1076"/>
+          <ac:picMkLst>
+            <pc:docMk/>
+            <pc:sldMk cId="1940895207" sldId="261"/>
+            <ac:picMk id="18" creationId="{CFE748FE-55AA-A6B7-96FB-806ED49D0068}"/>
+          </ac:picMkLst>
+        </pc:picChg>
+        <pc:picChg chg="add mod">
+          <ac:chgData name="zhanqian wu" userId="d2c6610ee194b056" providerId="LiveId" clId="{054ADD90-6CF6-46AD-9BF0-23CAB15A759E}" dt="2024-03-29T03:20:36.613" v="275" actId="1076"/>
+          <ac:picMkLst>
+            <pc:docMk/>
+            <pc:sldMk cId="1940895207" sldId="261"/>
+            <ac:picMk id="20" creationId="{7C866B8F-9BE0-4AF5-B5FB-1EB3E1978D03}"/>
+          </ac:picMkLst>
+        </pc:picChg>
+      </pc:sldChg>
+      <pc:sldChg chg="addSp delSp modSp new mod">
+        <pc:chgData name="zhanqian wu" userId="d2c6610ee194b056" providerId="LiveId" clId="{054ADD90-6CF6-46AD-9BF0-23CAB15A759E}" dt="2024-03-29T04:02:50.191" v="316" actId="1076"/>
+        <pc:sldMkLst>
+          <pc:docMk/>
+          <pc:sldMk cId="533639109" sldId="262"/>
+        </pc:sldMkLst>
+        <pc:spChg chg="del">
+          <ac:chgData name="zhanqian wu" userId="d2c6610ee194b056" providerId="LiveId" clId="{054ADD90-6CF6-46AD-9BF0-23CAB15A759E}" dt="2024-03-29T03:45:52.762" v="280" actId="478"/>
+          <ac:spMkLst>
+            <pc:docMk/>
+            <pc:sldMk cId="533639109" sldId="262"/>
+            <ac:spMk id="2" creationId="{78C35FB0-5EBC-5BD9-9454-997E8AFAB8BD}"/>
+          </ac:spMkLst>
+        </pc:spChg>
+        <pc:spChg chg="del">
+          <ac:chgData name="zhanqian wu" userId="d2c6610ee194b056" providerId="LiveId" clId="{054ADD90-6CF6-46AD-9BF0-23CAB15A759E}" dt="2024-03-29T03:45:54.087" v="281" actId="478"/>
+          <ac:spMkLst>
+            <pc:docMk/>
+            <pc:sldMk cId="533639109" sldId="262"/>
+            <ac:spMk id="3" creationId="{385F8BDA-2B64-DA1A-58F8-41096E4226C8}"/>
+          </ac:spMkLst>
+        </pc:spChg>
+        <pc:graphicFrameChg chg="add del mod">
+          <ac:chgData name="zhanqian wu" userId="d2c6610ee194b056" providerId="LiveId" clId="{054ADD90-6CF6-46AD-9BF0-23CAB15A759E}" dt="2024-03-29T03:53:17.984" v="294"/>
+          <ac:graphicFrameMkLst>
+            <pc:docMk/>
+            <pc:sldMk cId="533639109" sldId="262"/>
+            <ac:graphicFrameMk id="6" creationId="{639BF7BA-69F3-66CD-5717-B5C0DC2F9DED}"/>
+          </ac:graphicFrameMkLst>
+        </pc:graphicFrameChg>
+        <pc:graphicFrameChg chg="add del mod">
+          <ac:chgData name="zhanqian wu" userId="d2c6610ee194b056" providerId="LiveId" clId="{054ADD90-6CF6-46AD-9BF0-23CAB15A759E}" dt="2024-03-29T03:57:59.962" v="303"/>
+          <ac:graphicFrameMkLst>
+            <pc:docMk/>
+            <pc:sldMk cId="533639109" sldId="262"/>
+            <ac:graphicFrameMk id="9" creationId="{BE877F30-6D0E-7808-39F2-9A5880FF2A29}"/>
+          </ac:graphicFrameMkLst>
+        </pc:graphicFrameChg>
+        <pc:graphicFrameChg chg="add del mod">
+          <ac:chgData name="zhanqian wu" userId="d2c6610ee194b056" providerId="LiveId" clId="{054ADD90-6CF6-46AD-9BF0-23CAB15A759E}" dt="2024-03-29T04:02:40.305" v="311"/>
+          <ac:graphicFrameMkLst>
+            <pc:docMk/>
+            <pc:sldMk cId="533639109" sldId="262"/>
+            <ac:graphicFrameMk id="12" creationId="{691B7CAD-E0C4-CDE6-E47A-E011FE16E04D}"/>
+          </ac:graphicFrameMkLst>
+        </pc:graphicFrameChg>
+        <pc:picChg chg="add mod">
+          <ac:chgData name="zhanqian wu" userId="d2c6610ee194b056" providerId="LiveId" clId="{054ADD90-6CF6-46AD-9BF0-23CAB15A759E}" dt="2024-03-29T03:46:38.728" v="291" actId="1076"/>
+          <ac:picMkLst>
+            <pc:docMk/>
+            <pc:sldMk cId="533639109" sldId="262"/>
+            <ac:picMk id="5" creationId="{256C3CAB-15C0-868A-0321-1248118C7B0D}"/>
+          </ac:picMkLst>
+        </pc:picChg>
+        <pc:picChg chg="add mod">
+          <ac:chgData name="zhanqian wu" userId="d2c6610ee194b056" providerId="LiveId" clId="{054ADD90-6CF6-46AD-9BF0-23CAB15A759E}" dt="2024-03-29T03:53:28.575" v="300" actId="1076"/>
+          <ac:picMkLst>
+            <pc:docMk/>
+            <pc:sldMk cId="533639109" sldId="262"/>
+            <ac:picMk id="8" creationId="{EECB8C9F-73C4-F269-C047-B0EEA84F52AC}"/>
+          </ac:picMkLst>
+        </pc:picChg>
+        <pc:picChg chg="add mod">
+          <ac:chgData name="zhanqian wu" userId="d2c6610ee194b056" providerId="LiveId" clId="{054ADD90-6CF6-46AD-9BF0-23CAB15A759E}" dt="2024-03-29T03:58:12.027" v="308" actId="1076"/>
+          <ac:picMkLst>
+            <pc:docMk/>
+            <pc:sldMk cId="533639109" sldId="262"/>
+            <ac:picMk id="11" creationId="{F898FF0A-ECFA-BE38-19CA-6E05BD92FA53}"/>
+          </ac:picMkLst>
+        </pc:picChg>
+        <pc:picChg chg="add mod">
+          <ac:chgData name="zhanqian wu" userId="d2c6610ee194b056" providerId="LiveId" clId="{054ADD90-6CF6-46AD-9BF0-23CAB15A759E}" dt="2024-03-29T04:02:50.191" v="316" actId="1076"/>
+          <ac:picMkLst>
+            <pc:docMk/>
+            <pc:sldMk cId="533639109" sldId="262"/>
+            <ac:picMk id="14" creationId="{97A4BA63-A424-A432-1DBA-EDFD7DFB78AB}"/>
           </ac:picMkLst>
         </pc:picChg>
       </pc:sldChg>
@@ -642,7 +818,7 @@
           <a:p>
             <a:fld id="{8CA6A7BB-1808-466A-BE6B-19FD33760533}" type="datetimeFigureOut">
               <a:rPr lang="zh-CN" altLang="en-US" smtClean="0"/>
-              <a:t>2024/3/26</a:t>
+              <a:t>2024/3/28</a:t>
             </a:fld>
             <a:endParaRPr lang="zh-CN" altLang="en-US"/>
           </a:p>
@@ -842,7 +1018,7 @@
           <a:p>
             <a:fld id="{8CA6A7BB-1808-466A-BE6B-19FD33760533}" type="datetimeFigureOut">
               <a:rPr lang="zh-CN" altLang="en-US" smtClean="0"/>
-              <a:t>2024/3/26</a:t>
+              <a:t>2024/3/28</a:t>
             </a:fld>
             <a:endParaRPr lang="zh-CN" altLang="en-US"/>
           </a:p>
@@ -1052,7 +1228,7 @@
           <a:p>
             <a:fld id="{8CA6A7BB-1808-466A-BE6B-19FD33760533}" type="datetimeFigureOut">
               <a:rPr lang="zh-CN" altLang="en-US" smtClean="0"/>
-              <a:t>2024/3/26</a:t>
+              <a:t>2024/3/28</a:t>
             </a:fld>
             <a:endParaRPr lang="zh-CN" altLang="en-US"/>
           </a:p>
@@ -1252,7 +1428,7 @@
           <a:p>
             <a:fld id="{8CA6A7BB-1808-466A-BE6B-19FD33760533}" type="datetimeFigureOut">
               <a:rPr lang="zh-CN" altLang="en-US" smtClean="0"/>
-              <a:t>2024/3/26</a:t>
+              <a:t>2024/3/28</a:t>
             </a:fld>
             <a:endParaRPr lang="zh-CN" altLang="en-US"/>
           </a:p>
@@ -1528,7 +1704,7 @@
           <a:p>
             <a:fld id="{8CA6A7BB-1808-466A-BE6B-19FD33760533}" type="datetimeFigureOut">
               <a:rPr lang="zh-CN" altLang="en-US" smtClean="0"/>
-              <a:t>2024/3/26</a:t>
+              <a:t>2024/3/28</a:t>
             </a:fld>
             <a:endParaRPr lang="zh-CN" altLang="en-US"/>
           </a:p>
@@ -1796,7 +1972,7 @@
           <a:p>
             <a:fld id="{8CA6A7BB-1808-466A-BE6B-19FD33760533}" type="datetimeFigureOut">
               <a:rPr lang="zh-CN" altLang="en-US" smtClean="0"/>
-              <a:t>2024/3/26</a:t>
+              <a:t>2024/3/28</a:t>
             </a:fld>
             <a:endParaRPr lang="zh-CN" altLang="en-US"/>
           </a:p>
@@ -2211,7 +2387,7 @@
           <a:p>
             <a:fld id="{8CA6A7BB-1808-466A-BE6B-19FD33760533}" type="datetimeFigureOut">
               <a:rPr lang="zh-CN" altLang="en-US" smtClean="0"/>
-              <a:t>2024/3/26</a:t>
+              <a:t>2024/3/28</a:t>
             </a:fld>
             <a:endParaRPr lang="zh-CN" altLang="en-US"/>
           </a:p>
@@ -2353,7 +2529,7 @@
           <a:p>
             <a:fld id="{8CA6A7BB-1808-466A-BE6B-19FD33760533}" type="datetimeFigureOut">
               <a:rPr lang="zh-CN" altLang="en-US" smtClean="0"/>
-              <a:t>2024/3/26</a:t>
+              <a:t>2024/3/28</a:t>
             </a:fld>
             <a:endParaRPr lang="zh-CN" altLang="en-US"/>
           </a:p>
@@ -2466,7 +2642,7 @@
           <a:p>
             <a:fld id="{8CA6A7BB-1808-466A-BE6B-19FD33760533}" type="datetimeFigureOut">
               <a:rPr lang="zh-CN" altLang="en-US" smtClean="0"/>
-              <a:t>2024/3/26</a:t>
+              <a:t>2024/3/28</a:t>
             </a:fld>
             <a:endParaRPr lang="zh-CN" altLang="en-US"/>
           </a:p>
@@ -2779,7 +2955,7 @@
           <a:p>
             <a:fld id="{8CA6A7BB-1808-466A-BE6B-19FD33760533}" type="datetimeFigureOut">
               <a:rPr lang="zh-CN" altLang="en-US" smtClean="0"/>
-              <a:t>2024/3/26</a:t>
+              <a:t>2024/3/28</a:t>
             </a:fld>
             <a:endParaRPr lang="zh-CN" altLang="en-US"/>
           </a:p>
@@ -3068,7 +3244,7 @@
           <a:p>
             <a:fld id="{8CA6A7BB-1808-466A-BE6B-19FD33760533}" type="datetimeFigureOut">
               <a:rPr lang="zh-CN" altLang="en-US" smtClean="0"/>
-              <a:t>2024/3/26</a:t>
+              <a:t>2024/3/28</a:t>
             </a:fld>
             <a:endParaRPr lang="zh-CN" altLang="en-US"/>
           </a:p>
@@ -3311,7 +3487,7 @@
           <a:p>
             <a:fld id="{8CA6A7BB-1808-466A-BE6B-19FD33760533}" type="datetimeFigureOut">
               <a:rPr lang="zh-CN" altLang="en-US" smtClean="0"/>
-              <a:t>2024/3/26</a:t>
+              <a:t>2024/3/28</a:t>
             </a:fld>
             <a:endParaRPr lang="zh-CN" altLang="en-US"/>
           </a:p>
@@ -4605,6 +4781,498 @@
 </p:sld>
 </file>
 
+<file path=ppt/slides/slide6.xml><?xml version="1.0" encoding="utf-8"?>
+<p:sld xmlns:a="http://schemas.openxmlformats.org/drawingml/2006/main" xmlns:r="http://schemas.openxmlformats.org/officeDocument/2006/relationships" xmlns:p="http://schemas.openxmlformats.org/presentationml/2006/main">
+  <p:cSld>
+    <p:spTree>
+      <p:nvGrpSpPr>
+        <p:cNvPr id="1" name=""/>
+        <p:cNvGrpSpPr/>
+        <p:nvPr/>
+      </p:nvGrpSpPr>
+      <p:grpSpPr>
+        <a:xfrm>
+          <a:off x="0" y="0"/>
+          <a:ext cx="0" cy="0"/>
+          <a:chOff x="0" y="0"/>
+          <a:chExt cx="0" cy="0"/>
+        </a:xfrm>
+      </p:grpSpPr>
+      <p:pic>
+        <p:nvPicPr>
+          <p:cNvPr id="6" name="Picture 5" descr="A diagram of a blue line&#10;&#10;Description automatically generated">
+            <a:extLst>
+              <a:ext uri="{FF2B5EF4-FFF2-40B4-BE49-F238E27FC236}">
+                <a16:creationId xmlns:a16="http://schemas.microsoft.com/office/drawing/2014/main" id="{762AE516-A68A-81EA-4B97-B09593652475}"/>
+              </a:ext>
+            </a:extLst>
+          </p:cNvPr>
+          <p:cNvPicPr>
+            <a:picLocks noChangeAspect="1"/>
+          </p:cNvPicPr>
+          <p:nvPr/>
+        </p:nvPicPr>
+        <p:blipFill>
+          <a:blip r:embed="rId2">
+            <a:extLst>
+              <a:ext uri="{28A0092B-C50C-407E-A947-70E740481C1C}">
+                <a14:useLocalDpi xmlns:a14="http://schemas.microsoft.com/office/drawing/2010/main" val="0"/>
+              </a:ext>
+            </a:extLst>
+          </a:blip>
+          <a:stretch>
+            <a:fillRect/>
+          </a:stretch>
+        </p:blipFill>
+        <p:spPr>
+          <a:xfrm>
+            <a:off x="707255" y="524536"/>
+            <a:ext cx="2743200" cy="1828800"/>
+          </a:xfrm>
+          <a:prstGeom prst="rect">
+            <a:avLst/>
+          </a:prstGeom>
+        </p:spPr>
+      </p:pic>
+      <p:pic>
+        <p:nvPicPr>
+          <p:cNvPr id="8" name="Picture 7" descr="A graph showing a blue line&#10;&#10;Description automatically generated">
+            <a:extLst>
+              <a:ext uri="{FF2B5EF4-FFF2-40B4-BE49-F238E27FC236}">
+                <a16:creationId xmlns:a16="http://schemas.microsoft.com/office/drawing/2014/main" id="{19ED4E11-962B-A279-D649-ECEA1652018C}"/>
+              </a:ext>
+            </a:extLst>
+          </p:cNvPr>
+          <p:cNvPicPr>
+            <a:picLocks noChangeAspect="1"/>
+          </p:cNvPicPr>
+          <p:nvPr/>
+        </p:nvPicPr>
+        <p:blipFill>
+          <a:blip r:embed="rId3">
+            <a:extLst>
+              <a:ext uri="{28A0092B-C50C-407E-A947-70E740481C1C}">
+                <a14:useLocalDpi xmlns:a14="http://schemas.microsoft.com/office/drawing/2010/main" val="0"/>
+              </a:ext>
+            </a:extLst>
+          </a:blip>
+          <a:stretch>
+            <a:fillRect/>
+          </a:stretch>
+        </p:blipFill>
+        <p:spPr>
+          <a:xfrm>
+            <a:off x="8448247" y="565030"/>
+            <a:ext cx="2743200" cy="1828800"/>
+          </a:xfrm>
+          <a:prstGeom prst="rect">
+            <a:avLst/>
+          </a:prstGeom>
+        </p:spPr>
+      </p:pic>
+      <p:pic>
+        <p:nvPicPr>
+          <p:cNvPr id="10" name="Picture 9" descr="A diagram of a graph&#10;&#10;Description automatically generated">
+            <a:extLst>
+              <a:ext uri="{FF2B5EF4-FFF2-40B4-BE49-F238E27FC236}">
+                <a16:creationId xmlns:a16="http://schemas.microsoft.com/office/drawing/2014/main" id="{5FD43F09-41F3-5F68-9D2A-5BBCDF0E3C42}"/>
+              </a:ext>
+            </a:extLst>
+          </p:cNvPr>
+          <p:cNvPicPr>
+            <a:picLocks noChangeAspect="1"/>
+          </p:cNvPicPr>
+          <p:nvPr/>
+        </p:nvPicPr>
+        <p:blipFill>
+          <a:blip r:embed="rId4">
+            <a:extLst>
+              <a:ext uri="{28A0092B-C50C-407E-A947-70E740481C1C}">
+                <a14:useLocalDpi xmlns:a14="http://schemas.microsoft.com/office/drawing/2010/main" val="0"/>
+              </a:ext>
+            </a:extLst>
+          </a:blip>
+          <a:stretch>
+            <a:fillRect/>
+          </a:stretch>
+        </p:blipFill>
+        <p:spPr>
+          <a:xfrm>
+            <a:off x="8448247" y="2393830"/>
+            <a:ext cx="2743200" cy="1828800"/>
+          </a:xfrm>
+          <a:prstGeom prst="rect">
+            <a:avLst/>
+          </a:prstGeom>
+        </p:spPr>
+      </p:pic>
+      <p:pic>
+        <p:nvPicPr>
+          <p:cNvPr id="12" name="Picture 11" descr="A graph showing a line drawn on a white background&#10;&#10;Description automatically generated">
+            <a:extLst>
+              <a:ext uri="{FF2B5EF4-FFF2-40B4-BE49-F238E27FC236}">
+                <a16:creationId xmlns:a16="http://schemas.microsoft.com/office/drawing/2014/main" id="{87241CF3-66BE-73AF-A85B-FCBD189770DB}"/>
+              </a:ext>
+            </a:extLst>
+          </p:cNvPr>
+          <p:cNvPicPr>
+            <a:picLocks noChangeAspect="1"/>
+          </p:cNvPicPr>
+          <p:nvPr/>
+        </p:nvPicPr>
+        <p:blipFill>
+          <a:blip r:embed="rId5">
+            <a:extLst>
+              <a:ext uri="{28A0092B-C50C-407E-A947-70E740481C1C}">
+                <a14:useLocalDpi xmlns:a14="http://schemas.microsoft.com/office/drawing/2010/main" val="0"/>
+              </a:ext>
+            </a:extLst>
+          </a:blip>
+          <a:stretch>
+            <a:fillRect/>
+          </a:stretch>
+        </p:blipFill>
+        <p:spPr>
+          <a:xfrm>
+            <a:off x="3199632" y="2287298"/>
+            <a:ext cx="2743200" cy="1828800"/>
+          </a:xfrm>
+          <a:prstGeom prst="rect">
+            <a:avLst/>
+          </a:prstGeom>
+        </p:spPr>
+      </p:pic>
+      <p:pic>
+        <p:nvPicPr>
+          <p:cNvPr id="14" name="Picture 13" descr="A graph showing a line of a bowl&#10;&#10;Description automatically generated with medium confidence">
+            <a:extLst>
+              <a:ext uri="{FF2B5EF4-FFF2-40B4-BE49-F238E27FC236}">
+                <a16:creationId xmlns:a16="http://schemas.microsoft.com/office/drawing/2014/main" id="{A206696D-37D9-1C38-0999-7AC988056F02}"/>
+              </a:ext>
+            </a:extLst>
+          </p:cNvPr>
+          <p:cNvPicPr>
+            <a:picLocks noChangeAspect="1"/>
+          </p:cNvPicPr>
+          <p:nvPr/>
+        </p:nvPicPr>
+        <p:blipFill>
+          <a:blip r:embed="rId6">
+            <a:extLst>
+              <a:ext uri="{28A0092B-C50C-407E-A947-70E740481C1C}">
+                <a14:useLocalDpi xmlns:a14="http://schemas.microsoft.com/office/drawing/2010/main" val="0"/>
+              </a:ext>
+            </a:extLst>
+          </a:blip>
+          <a:stretch>
+            <a:fillRect/>
+          </a:stretch>
+        </p:blipFill>
+        <p:spPr>
+          <a:xfrm>
+            <a:off x="3206151" y="565030"/>
+            <a:ext cx="2743200" cy="1828800"/>
+          </a:xfrm>
+          <a:prstGeom prst="rect">
+            <a:avLst/>
+          </a:prstGeom>
+        </p:spPr>
+      </p:pic>
+      <p:pic>
+        <p:nvPicPr>
+          <p:cNvPr id="16" name="Picture 15" descr="A graph of a diagram&#10;&#10;Description automatically generated with medium confidence">
+            <a:extLst>
+              <a:ext uri="{FF2B5EF4-FFF2-40B4-BE49-F238E27FC236}">
+                <a16:creationId xmlns:a16="http://schemas.microsoft.com/office/drawing/2014/main" id="{1CDB099F-6E5D-DC34-2B67-5356055CFD5B}"/>
+              </a:ext>
+            </a:extLst>
+          </p:cNvPr>
+          <p:cNvPicPr>
+            <a:picLocks noChangeAspect="1"/>
+          </p:cNvPicPr>
+          <p:nvPr/>
+        </p:nvPicPr>
+        <p:blipFill>
+          <a:blip r:embed="rId7">
+            <a:extLst>
+              <a:ext uri="{28A0092B-C50C-407E-A947-70E740481C1C}">
+                <a14:useLocalDpi xmlns:a14="http://schemas.microsoft.com/office/drawing/2010/main" val="0"/>
+              </a:ext>
+            </a:extLst>
+          </a:blip>
+          <a:stretch>
+            <a:fillRect/>
+          </a:stretch>
+        </p:blipFill>
+        <p:spPr>
+          <a:xfrm>
+            <a:off x="5888966" y="565030"/>
+            <a:ext cx="2743200" cy="1828800"/>
+          </a:xfrm>
+          <a:prstGeom prst="rect">
+            <a:avLst/>
+          </a:prstGeom>
+        </p:spPr>
+      </p:pic>
+      <p:pic>
+        <p:nvPicPr>
+          <p:cNvPr id="18" name="Picture 17" descr="A diagram of a diagram&#10;&#10;Description automatically generated">
+            <a:extLst>
+              <a:ext uri="{FF2B5EF4-FFF2-40B4-BE49-F238E27FC236}">
+                <a16:creationId xmlns:a16="http://schemas.microsoft.com/office/drawing/2014/main" id="{CFE748FE-55AA-A6B7-96FB-806ED49D0068}"/>
+              </a:ext>
+            </a:extLst>
+          </p:cNvPr>
+          <p:cNvPicPr>
+            <a:picLocks noChangeAspect="1"/>
+          </p:cNvPicPr>
+          <p:nvPr/>
+        </p:nvPicPr>
+        <p:blipFill>
+          <a:blip r:embed="rId8">
+            <a:extLst>
+              <a:ext uri="{28A0092B-C50C-407E-A947-70E740481C1C}">
+                <a14:useLocalDpi xmlns:a14="http://schemas.microsoft.com/office/drawing/2010/main" val="0"/>
+              </a:ext>
+            </a:extLst>
+          </a:blip>
+          <a:stretch>
+            <a:fillRect/>
+          </a:stretch>
+        </p:blipFill>
+        <p:spPr>
+          <a:xfrm>
+            <a:off x="5850873" y="2301912"/>
+            <a:ext cx="2743200" cy="1828800"/>
+          </a:xfrm>
+          <a:prstGeom prst="rect">
+            <a:avLst/>
+          </a:prstGeom>
+        </p:spPr>
+      </p:pic>
+      <p:pic>
+        <p:nvPicPr>
+          <p:cNvPr id="20" name="Picture 19" descr="A diagram of a diagram&#10;&#10;Description automatically generated">
+            <a:extLst>
+              <a:ext uri="{FF2B5EF4-FFF2-40B4-BE49-F238E27FC236}">
+                <a16:creationId xmlns:a16="http://schemas.microsoft.com/office/drawing/2014/main" id="{7C866B8F-9BE0-4AF5-B5FB-1EB3E1978D03}"/>
+              </a:ext>
+            </a:extLst>
+          </p:cNvPr>
+          <p:cNvPicPr>
+            <a:picLocks noChangeAspect="1"/>
+          </p:cNvPicPr>
+          <p:nvPr/>
+        </p:nvPicPr>
+        <p:blipFill>
+          <a:blip r:embed="rId9">
+            <a:extLst>
+              <a:ext uri="{28A0092B-C50C-407E-A947-70E740481C1C}">
+                <a14:useLocalDpi xmlns:a14="http://schemas.microsoft.com/office/drawing/2010/main" val="0"/>
+              </a:ext>
+            </a:extLst>
+          </a:blip>
+          <a:stretch>
+            <a:fillRect/>
+          </a:stretch>
+        </p:blipFill>
+        <p:spPr>
+          <a:xfrm>
+            <a:off x="707255" y="2287298"/>
+            <a:ext cx="2743200" cy="1828800"/>
+          </a:xfrm>
+          <a:prstGeom prst="rect">
+            <a:avLst/>
+          </a:prstGeom>
+        </p:spPr>
+      </p:pic>
+    </p:spTree>
+    <p:extLst>
+      <p:ext uri="{BB962C8B-B14F-4D97-AF65-F5344CB8AC3E}">
+        <p14:creationId xmlns:p14="http://schemas.microsoft.com/office/powerpoint/2010/main" val="1940895207"/>
+      </p:ext>
+    </p:extLst>
+  </p:cSld>
+  <p:clrMapOvr>
+    <a:masterClrMapping/>
+  </p:clrMapOvr>
+</p:sld>
+</file>
+
+<file path=ppt/slides/slide7.xml><?xml version="1.0" encoding="utf-8"?>
+<p:sld xmlns:a="http://schemas.openxmlformats.org/drawingml/2006/main" xmlns:r="http://schemas.openxmlformats.org/officeDocument/2006/relationships" xmlns:p="http://schemas.openxmlformats.org/presentationml/2006/main">
+  <p:cSld>
+    <p:spTree>
+      <p:nvGrpSpPr>
+        <p:cNvPr id="1" name=""/>
+        <p:cNvGrpSpPr/>
+        <p:nvPr/>
+      </p:nvGrpSpPr>
+      <p:grpSpPr>
+        <a:xfrm>
+          <a:off x="0" y="0"/>
+          <a:ext cx="0" cy="0"/>
+          <a:chOff x="0" y="0"/>
+          <a:chExt cx="0" cy="0"/>
+        </a:xfrm>
+      </p:grpSpPr>
+      <p:pic>
+        <p:nvPicPr>
+          <p:cNvPr id="5" name="Picture 4" descr="A map of a city&#10;&#10;Description automatically generated with medium confidence">
+            <a:extLst>
+              <a:ext uri="{FF2B5EF4-FFF2-40B4-BE49-F238E27FC236}">
+                <a16:creationId xmlns:a16="http://schemas.microsoft.com/office/drawing/2014/main" id="{256C3CAB-15C0-868A-0321-1248118C7B0D}"/>
+              </a:ext>
+            </a:extLst>
+          </p:cNvPr>
+          <p:cNvPicPr>
+            <a:picLocks noChangeAspect="1"/>
+          </p:cNvPicPr>
+          <p:nvPr/>
+        </p:nvPicPr>
+        <p:blipFill>
+          <a:blip r:embed="rId2">
+            <a:extLst>
+              <a:ext uri="{28A0092B-C50C-407E-A947-70E740481C1C}">
+                <a14:useLocalDpi xmlns:a14="http://schemas.microsoft.com/office/drawing/2010/main" val="0"/>
+              </a:ext>
+            </a:extLst>
+          </a:blip>
+          <a:stretch>
+            <a:fillRect/>
+          </a:stretch>
+        </p:blipFill>
+        <p:spPr>
+          <a:xfrm>
+            <a:off x="1047564" y="0"/>
+            <a:ext cx="3291840" cy="3291840"/>
+          </a:xfrm>
+          <a:prstGeom prst="rect">
+            <a:avLst/>
+          </a:prstGeom>
+        </p:spPr>
+      </p:pic>
+      <p:pic>
+        <p:nvPicPr>
+          <p:cNvPr id="8" name="Picture 7" descr="A map with a red line&#10;&#10;Description automatically generated">
+            <a:extLst>
+              <a:ext uri="{FF2B5EF4-FFF2-40B4-BE49-F238E27FC236}">
+                <a16:creationId xmlns:a16="http://schemas.microsoft.com/office/drawing/2014/main" id="{EECB8C9F-73C4-F269-C047-B0EEA84F52AC}"/>
+              </a:ext>
+            </a:extLst>
+          </p:cNvPr>
+          <p:cNvPicPr>
+            <a:picLocks noChangeAspect="1"/>
+          </p:cNvPicPr>
+          <p:nvPr/>
+        </p:nvPicPr>
+        <p:blipFill>
+          <a:blip r:embed="rId3">
+            <a:extLst>
+              <a:ext uri="{28A0092B-C50C-407E-A947-70E740481C1C}">
+                <a14:useLocalDpi xmlns:a14="http://schemas.microsoft.com/office/drawing/2010/main" val="0"/>
+              </a:ext>
+            </a:extLst>
+          </a:blip>
+          <a:stretch>
+            <a:fillRect/>
+          </a:stretch>
+        </p:blipFill>
+        <p:spPr>
+          <a:xfrm>
+            <a:off x="4339404" y="0"/>
+            <a:ext cx="3291840" cy="3291840"/>
+          </a:xfrm>
+          <a:prstGeom prst="rect">
+            <a:avLst/>
+          </a:prstGeom>
+        </p:spPr>
+      </p:pic>
+      <p:pic>
+        <p:nvPicPr>
+          <p:cNvPr id="11" name="Picture 10" descr="A map with a red line&#10;&#10;Description automatically generated">
+            <a:extLst>
+              <a:ext uri="{FF2B5EF4-FFF2-40B4-BE49-F238E27FC236}">
+                <a16:creationId xmlns:a16="http://schemas.microsoft.com/office/drawing/2014/main" id="{F898FF0A-ECFA-BE38-19CA-6E05BD92FA53}"/>
+              </a:ext>
+            </a:extLst>
+          </p:cNvPr>
+          <p:cNvPicPr>
+            <a:picLocks noChangeAspect="1"/>
+          </p:cNvPicPr>
+          <p:nvPr/>
+        </p:nvPicPr>
+        <p:blipFill>
+          <a:blip r:embed="rId4">
+            <a:extLst>
+              <a:ext uri="{28A0092B-C50C-407E-A947-70E740481C1C}">
+                <a14:useLocalDpi xmlns:a14="http://schemas.microsoft.com/office/drawing/2010/main" val="0"/>
+              </a:ext>
+            </a:extLst>
+          </a:blip>
+          <a:stretch>
+            <a:fillRect/>
+          </a:stretch>
+        </p:blipFill>
+        <p:spPr>
+          <a:xfrm>
+            <a:off x="1047564" y="3036163"/>
+            <a:ext cx="3291840" cy="3291840"/>
+          </a:xfrm>
+          <a:prstGeom prst="rect">
+            <a:avLst/>
+          </a:prstGeom>
+        </p:spPr>
+      </p:pic>
+      <p:pic>
+        <p:nvPicPr>
+          <p:cNvPr id="14" name="Picture 13" descr="A map with a red line&#10;&#10;Description automatically generated">
+            <a:extLst>
+              <a:ext uri="{FF2B5EF4-FFF2-40B4-BE49-F238E27FC236}">
+                <a16:creationId xmlns:a16="http://schemas.microsoft.com/office/drawing/2014/main" id="{97A4BA63-A424-A432-1DBA-EDFD7DFB78AB}"/>
+              </a:ext>
+            </a:extLst>
+          </p:cNvPr>
+          <p:cNvPicPr>
+            <a:picLocks noChangeAspect="1"/>
+          </p:cNvPicPr>
+          <p:nvPr/>
+        </p:nvPicPr>
+        <p:blipFill>
+          <a:blip r:embed="rId5">
+            <a:extLst>
+              <a:ext uri="{28A0092B-C50C-407E-A947-70E740481C1C}">
+                <a14:useLocalDpi xmlns:a14="http://schemas.microsoft.com/office/drawing/2010/main" val="0"/>
+              </a:ext>
+            </a:extLst>
+          </a:blip>
+          <a:stretch>
+            <a:fillRect/>
+          </a:stretch>
+        </p:blipFill>
+        <p:spPr>
+          <a:xfrm>
+            <a:off x="4339404" y="3036163"/>
+            <a:ext cx="3291840" cy="3291840"/>
+          </a:xfrm>
+          <a:prstGeom prst="rect">
+            <a:avLst/>
+          </a:prstGeom>
+        </p:spPr>
+      </p:pic>
+    </p:spTree>
+    <p:extLst>
+      <p:ext uri="{BB962C8B-B14F-4D97-AF65-F5344CB8AC3E}">
+        <p14:creationId xmlns:p14="http://schemas.microsoft.com/office/powerpoint/2010/main" val="533639109"/>
+      </p:ext>
+    </p:extLst>
+  </p:cSld>
+  <p:clrMapOvr>
+    <a:masterClrMapping/>
+  </p:clrMapOvr>
+</p:sld>
+</file>
+
 <file path=ppt/theme/theme1.xml><?xml version="1.0" encoding="utf-8"?>
 <a:theme xmlns:a="http://schemas.openxmlformats.org/drawingml/2006/main" name="Office Theme">
   <a:themeElements>

--- a/HW3/HW3.pptx
+++ b/HW3/HW3.pptx
@@ -121,7 +121,7 @@
 <file path=ppt/revisionInfo.xml><?xml version="1.0" encoding="utf-8"?>
 <p1510:revInfo xmlns:a="http://schemas.openxmlformats.org/drawingml/2006/main" xmlns:r="http://schemas.openxmlformats.org/officeDocument/2006/relationships" xmlns:p1510="http://schemas.microsoft.com/office/powerpoint/2015/10/main">
   <p1510:revLst>
-    <p1510:client id="{054ADD90-6CF6-46AD-9BF0-23CAB15A759E}" v="32" dt="2024-03-29T04:02:40.311"/>
+    <p1510:client id="{054ADD90-6CF6-46AD-9BF0-23CAB15A759E}" v="36" dt="2024-03-31T17:12:38.780"/>
   </p1510:revLst>
 </p1510:revInfo>
 </file>
@@ -131,12 +131,12 @@
   <pc:docChgLst>
     <pc:chgData name="zhanqian wu" userId="d2c6610ee194b056" providerId="LiveId" clId="{054ADD90-6CF6-46AD-9BF0-23CAB15A759E}"/>
     <pc:docChg chg="undo custSel addSld modSld">
-      <pc:chgData name="zhanqian wu" userId="d2c6610ee194b056" providerId="LiveId" clId="{054ADD90-6CF6-46AD-9BF0-23CAB15A759E}" dt="2024-03-29T04:02:50.191" v="316" actId="1076"/>
+      <pc:chgData name="zhanqian wu" userId="d2c6610ee194b056" providerId="LiveId" clId="{054ADD90-6CF6-46AD-9BF0-23CAB15A759E}" dt="2024-03-31T17:13:00.324" v="330" actId="1076"/>
       <pc:docMkLst>
         <pc:docMk/>
       </pc:docMkLst>
       <pc:sldChg chg="addSp delSp modSp mod">
-        <pc:chgData name="zhanqian wu" userId="d2c6610ee194b056" providerId="LiveId" clId="{054ADD90-6CF6-46AD-9BF0-23CAB15A759E}" dt="2024-03-26T14:44:29.227" v="15" actId="1076"/>
+        <pc:chgData name="zhanqian wu" userId="d2c6610ee194b056" providerId="LiveId" clId="{054ADD90-6CF6-46AD-9BF0-23CAB15A759E}" dt="2024-03-31T17:13:00.324" v="330" actId="1076"/>
         <pc:sldMkLst>
           <pc:docMk/>
           <pc:sldMk cId="2322699510" sldId="256"/>
@@ -158,35 +158,67 @@
           </ac:spMkLst>
         </pc:spChg>
         <pc:picChg chg="add mod">
-          <ac:chgData name="zhanqian wu" userId="d2c6610ee194b056" providerId="LiveId" clId="{054ADD90-6CF6-46AD-9BF0-23CAB15A759E}" dt="2024-03-26T14:44:04.136" v="12" actId="1076"/>
+          <ac:chgData name="zhanqian wu" userId="d2c6610ee194b056" providerId="LiveId" clId="{054ADD90-6CF6-46AD-9BF0-23CAB15A759E}" dt="2024-03-31T17:12:49.711" v="327" actId="1076"/>
+          <ac:picMkLst>
+            <pc:docMk/>
+            <pc:sldMk cId="2322699510" sldId="256"/>
+            <ac:picMk id="2" creationId="{C9AB42BF-67CF-EC1D-3464-DB2518B22DFE}"/>
+          </ac:picMkLst>
+        </pc:picChg>
+        <pc:picChg chg="add mod">
+          <ac:chgData name="zhanqian wu" userId="d2c6610ee194b056" providerId="LiveId" clId="{054ADD90-6CF6-46AD-9BF0-23CAB15A759E}" dt="2024-03-31T17:12:53.042" v="328" actId="1076"/>
+          <ac:picMkLst>
+            <pc:docMk/>
+            <pc:sldMk cId="2322699510" sldId="256"/>
+            <ac:picMk id="3" creationId="{23E37798-82BC-67A0-C785-D867B184080B}"/>
+          </ac:picMkLst>
+        </pc:picChg>
+        <pc:picChg chg="add del mod">
+          <ac:chgData name="zhanqian wu" userId="d2c6610ee194b056" providerId="LiveId" clId="{054ADD90-6CF6-46AD-9BF0-23CAB15A759E}" dt="2024-03-31T17:11:56.858" v="317" actId="478"/>
           <ac:picMkLst>
             <pc:docMk/>
             <pc:sldMk cId="2322699510" sldId="256"/>
             <ac:picMk id="4" creationId="{A5A1FE62-37EA-315E-E2D6-2D4FE286B009}"/>
           </ac:picMkLst>
         </pc:picChg>
-        <pc:picChg chg="add mod">
-          <ac:chgData name="zhanqian wu" userId="d2c6610ee194b056" providerId="LiveId" clId="{054ADD90-6CF6-46AD-9BF0-23CAB15A759E}" dt="2024-03-26T14:44:13.055" v="13" actId="1076"/>
+        <pc:picChg chg="add del mod">
+          <ac:chgData name="zhanqian wu" userId="d2c6610ee194b056" providerId="LiveId" clId="{054ADD90-6CF6-46AD-9BF0-23CAB15A759E}" dt="2024-03-31T17:11:56.858" v="317" actId="478"/>
           <ac:picMkLst>
             <pc:docMk/>
             <pc:sldMk cId="2322699510" sldId="256"/>
             <ac:picMk id="5" creationId="{1504D420-C17A-4520-7080-63610549D63A}"/>
           </ac:picMkLst>
         </pc:picChg>
-        <pc:picChg chg="add mod">
-          <ac:chgData name="zhanqian wu" userId="d2c6610ee194b056" providerId="LiveId" clId="{054ADD90-6CF6-46AD-9BF0-23CAB15A759E}" dt="2024-03-26T14:44:20.221" v="14" actId="1076"/>
+        <pc:picChg chg="add del mod">
+          <ac:chgData name="zhanqian wu" userId="d2c6610ee194b056" providerId="LiveId" clId="{054ADD90-6CF6-46AD-9BF0-23CAB15A759E}" dt="2024-03-31T17:11:56.858" v="317" actId="478"/>
           <ac:picMkLst>
             <pc:docMk/>
             <pc:sldMk cId="2322699510" sldId="256"/>
             <ac:picMk id="6" creationId="{5FD4CB12-00EB-1484-A13D-C9D586965867}"/>
           </ac:picMkLst>
         </pc:picChg>
-        <pc:picChg chg="add mod">
-          <ac:chgData name="zhanqian wu" userId="d2c6610ee194b056" providerId="LiveId" clId="{054ADD90-6CF6-46AD-9BF0-23CAB15A759E}" dt="2024-03-26T14:44:29.227" v="15" actId="1076"/>
+        <pc:picChg chg="add del mod">
+          <ac:chgData name="zhanqian wu" userId="d2c6610ee194b056" providerId="LiveId" clId="{054ADD90-6CF6-46AD-9BF0-23CAB15A759E}" dt="2024-03-31T17:11:56.858" v="317" actId="478"/>
           <ac:picMkLst>
             <pc:docMk/>
             <pc:sldMk cId="2322699510" sldId="256"/>
             <ac:picMk id="7" creationId="{A62FE38C-E775-4562-E5D9-0E669CAED494}"/>
+          </ac:picMkLst>
+        </pc:picChg>
+        <pc:picChg chg="add mod">
+          <ac:chgData name="zhanqian wu" userId="d2c6610ee194b056" providerId="LiveId" clId="{054ADD90-6CF6-46AD-9BF0-23CAB15A759E}" dt="2024-03-31T17:12:55.321" v="329" actId="1076"/>
+          <ac:picMkLst>
+            <pc:docMk/>
+            <pc:sldMk cId="2322699510" sldId="256"/>
+            <ac:picMk id="8" creationId="{430630AE-7FAB-EB53-ED1A-93F6E0DC6D30}"/>
+          </ac:picMkLst>
+        </pc:picChg>
+        <pc:picChg chg="add mod">
+          <ac:chgData name="zhanqian wu" userId="d2c6610ee194b056" providerId="LiveId" clId="{054ADD90-6CF6-46AD-9BF0-23CAB15A759E}" dt="2024-03-31T17:13:00.324" v="330" actId="1076"/>
+          <ac:picMkLst>
+            <pc:docMk/>
+            <pc:sldMk cId="2322699510" sldId="256"/>
+            <ac:picMk id="9" creationId="{6F83B6B1-86C8-51D2-A0F4-0D7C376FC7CD}"/>
           </ac:picMkLst>
         </pc:picChg>
       </pc:sldChg>
@@ -818,7 +850,7 @@
           <a:p>
             <a:fld id="{8CA6A7BB-1808-466A-BE6B-19FD33760533}" type="datetimeFigureOut">
               <a:rPr lang="zh-CN" altLang="en-US" smtClean="0"/>
-              <a:t>2024/3/28</a:t>
+              <a:t>2024/3/31</a:t>
             </a:fld>
             <a:endParaRPr lang="zh-CN" altLang="en-US"/>
           </a:p>
@@ -1018,7 +1050,7 @@
           <a:p>
             <a:fld id="{8CA6A7BB-1808-466A-BE6B-19FD33760533}" type="datetimeFigureOut">
               <a:rPr lang="zh-CN" altLang="en-US" smtClean="0"/>
-              <a:t>2024/3/28</a:t>
+              <a:t>2024/3/31</a:t>
             </a:fld>
             <a:endParaRPr lang="zh-CN" altLang="en-US"/>
           </a:p>
@@ -1228,7 +1260,7 @@
           <a:p>
             <a:fld id="{8CA6A7BB-1808-466A-BE6B-19FD33760533}" type="datetimeFigureOut">
               <a:rPr lang="zh-CN" altLang="en-US" smtClean="0"/>
-              <a:t>2024/3/28</a:t>
+              <a:t>2024/3/31</a:t>
             </a:fld>
             <a:endParaRPr lang="zh-CN" altLang="en-US"/>
           </a:p>
@@ -1428,7 +1460,7 @@
           <a:p>
             <a:fld id="{8CA6A7BB-1808-466A-BE6B-19FD33760533}" type="datetimeFigureOut">
               <a:rPr lang="zh-CN" altLang="en-US" smtClean="0"/>
-              <a:t>2024/3/28</a:t>
+              <a:t>2024/3/31</a:t>
             </a:fld>
             <a:endParaRPr lang="zh-CN" altLang="en-US"/>
           </a:p>
@@ -1704,7 +1736,7 @@
           <a:p>
             <a:fld id="{8CA6A7BB-1808-466A-BE6B-19FD33760533}" type="datetimeFigureOut">
               <a:rPr lang="zh-CN" altLang="en-US" smtClean="0"/>
-              <a:t>2024/3/28</a:t>
+              <a:t>2024/3/31</a:t>
             </a:fld>
             <a:endParaRPr lang="zh-CN" altLang="en-US"/>
           </a:p>
@@ -1972,7 +2004,7 @@
           <a:p>
             <a:fld id="{8CA6A7BB-1808-466A-BE6B-19FD33760533}" type="datetimeFigureOut">
               <a:rPr lang="zh-CN" altLang="en-US" smtClean="0"/>
-              <a:t>2024/3/28</a:t>
+              <a:t>2024/3/31</a:t>
             </a:fld>
             <a:endParaRPr lang="zh-CN" altLang="en-US"/>
           </a:p>
@@ -2387,7 +2419,7 @@
           <a:p>
             <a:fld id="{8CA6A7BB-1808-466A-BE6B-19FD33760533}" type="datetimeFigureOut">
               <a:rPr lang="zh-CN" altLang="en-US" smtClean="0"/>
-              <a:t>2024/3/28</a:t>
+              <a:t>2024/3/31</a:t>
             </a:fld>
             <a:endParaRPr lang="zh-CN" altLang="en-US"/>
           </a:p>
@@ -2529,7 +2561,7 @@
           <a:p>
             <a:fld id="{8CA6A7BB-1808-466A-BE6B-19FD33760533}" type="datetimeFigureOut">
               <a:rPr lang="zh-CN" altLang="en-US" smtClean="0"/>
-              <a:t>2024/3/28</a:t>
+              <a:t>2024/3/31</a:t>
             </a:fld>
             <a:endParaRPr lang="zh-CN" altLang="en-US"/>
           </a:p>
@@ -2642,7 +2674,7 @@
           <a:p>
             <a:fld id="{8CA6A7BB-1808-466A-BE6B-19FD33760533}" type="datetimeFigureOut">
               <a:rPr lang="zh-CN" altLang="en-US" smtClean="0"/>
-              <a:t>2024/3/28</a:t>
+              <a:t>2024/3/31</a:t>
             </a:fld>
             <a:endParaRPr lang="zh-CN" altLang="en-US"/>
           </a:p>
@@ -2955,7 +2987,7 @@
           <a:p>
             <a:fld id="{8CA6A7BB-1808-466A-BE6B-19FD33760533}" type="datetimeFigureOut">
               <a:rPr lang="zh-CN" altLang="en-US" smtClean="0"/>
-              <a:t>2024/3/28</a:t>
+              <a:t>2024/3/31</a:t>
             </a:fld>
             <a:endParaRPr lang="zh-CN" altLang="en-US"/>
           </a:p>
@@ -3244,7 +3276,7 @@
           <a:p>
             <a:fld id="{8CA6A7BB-1808-466A-BE6B-19FD33760533}" type="datetimeFigureOut">
               <a:rPr lang="zh-CN" altLang="en-US" smtClean="0"/>
-              <a:t>2024/3/28</a:t>
+              <a:t>2024/3/31</a:t>
             </a:fld>
             <a:endParaRPr lang="zh-CN" altLang="en-US"/>
           </a:p>
@@ -3487,7 +3519,7 @@
           <a:p>
             <a:fld id="{8CA6A7BB-1808-466A-BE6B-19FD33760533}" type="datetimeFigureOut">
               <a:rPr lang="zh-CN" altLang="en-US" smtClean="0"/>
-              <a:t>2024/3/28</a:t>
+              <a:t>2024/3/31</a:t>
             </a:fld>
             <a:endParaRPr lang="zh-CN" altLang="en-US"/>
           </a:p>
@@ -3906,10 +3938,10 @@
       </p:grpSpPr>
       <p:pic>
         <p:nvPicPr>
-          <p:cNvPr id="4" name="Picture 3">
-            <a:extLst>
-              <a:ext uri="{FF2B5EF4-FFF2-40B4-BE49-F238E27FC236}">
-                <a16:creationId xmlns:a16="http://schemas.microsoft.com/office/drawing/2014/main" id="{A5A1FE62-37EA-315E-E2D6-2D4FE286B009}"/>
+          <p:cNvPr id="2" name="Picture 1">
+            <a:extLst>
+              <a:ext uri="{FF2B5EF4-FFF2-40B4-BE49-F238E27FC236}">
+                <a16:creationId xmlns:a16="http://schemas.microsoft.com/office/drawing/2014/main" id="{C9AB42BF-67CF-EC1D-3464-DB2518B22DFE}"/>
               </a:ext>
             </a:extLst>
           </p:cNvPr>
@@ -3926,8 +3958,8 @@
         </p:blipFill>
         <p:spPr>
           <a:xfrm>
-            <a:off x="1647621" y="54429"/>
-            <a:ext cx="3564267" cy="3291840"/>
+            <a:off x="1566184" y="129396"/>
+            <a:ext cx="3465260" cy="3200400"/>
           </a:xfrm>
           <a:prstGeom prst="rect">
             <a:avLst/>
@@ -3936,10 +3968,10 @@
       </p:pic>
       <p:pic>
         <p:nvPicPr>
-          <p:cNvPr id="5" name="Picture 4">
-            <a:extLst>
-              <a:ext uri="{FF2B5EF4-FFF2-40B4-BE49-F238E27FC236}">
-                <a16:creationId xmlns:a16="http://schemas.microsoft.com/office/drawing/2014/main" id="{1504D420-C17A-4520-7080-63610549D63A}"/>
+          <p:cNvPr id="3" name="Picture 2">
+            <a:extLst>
+              <a:ext uri="{FF2B5EF4-FFF2-40B4-BE49-F238E27FC236}">
+                <a16:creationId xmlns:a16="http://schemas.microsoft.com/office/drawing/2014/main" id="{23E37798-82BC-67A0-C785-D867B184080B}"/>
               </a:ext>
             </a:extLst>
           </p:cNvPr>
@@ -3956,8 +3988,8 @@
         </p:blipFill>
         <p:spPr>
           <a:xfrm>
-            <a:off x="5310663" y="54429"/>
-            <a:ext cx="3564267" cy="3291840"/>
+            <a:off x="5110662" y="129396"/>
+            <a:ext cx="3465260" cy="3200400"/>
           </a:xfrm>
           <a:prstGeom prst="rect">
             <a:avLst/>
@@ -3966,10 +3998,10 @@
       </p:pic>
       <p:pic>
         <p:nvPicPr>
-          <p:cNvPr id="6" name="Picture 5">
-            <a:extLst>
-              <a:ext uri="{FF2B5EF4-FFF2-40B4-BE49-F238E27FC236}">
-                <a16:creationId xmlns:a16="http://schemas.microsoft.com/office/drawing/2014/main" id="{5FD4CB12-00EB-1484-A13D-C9D586965867}"/>
+          <p:cNvPr id="8" name="Picture 7">
+            <a:extLst>
+              <a:ext uri="{FF2B5EF4-FFF2-40B4-BE49-F238E27FC236}">
+                <a16:creationId xmlns:a16="http://schemas.microsoft.com/office/drawing/2014/main" id="{430630AE-7FAB-EB53-ED1A-93F6E0DC6D30}"/>
               </a:ext>
             </a:extLst>
           </p:cNvPr>
@@ -3986,8 +4018,8 @@
         </p:blipFill>
         <p:spPr>
           <a:xfrm>
-            <a:off x="1647620" y="3346269"/>
-            <a:ext cx="3564267" cy="3291840"/>
+            <a:off x="1566184" y="3329796"/>
+            <a:ext cx="3465260" cy="3200400"/>
           </a:xfrm>
           <a:prstGeom prst="rect">
             <a:avLst/>
@@ -3996,10 +4028,10 @@
       </p:pic>
       <p:pic>
         <p:nvPicPr>
-          <p:cNvPr id="7" name="Picture 6">
-            <a:extLst>
-              <a:ext uri="{FF2B5EF4-FFF2-40B4-BE49-F238E27FC236}">
-                <a16:creationId xmlns:a16="http://schemas.microsoft.com/office/drawing/2014/main" id="{A62FE38C-E775-4562-E5D9-0E669CAED494}"/>
+          <p:cNvPr id="9" name="Picture 8">
+            <a:extLst>
+              <a:ext uri="{FF2B5EF4-FFF2-40B4-BE49-F238E27FC236}">
+                <a16:creationId xmlns:a16="http://schemas.microsoft.com/office/drawing/2014/main" id="{6F83B6B1-86C8-51D2-A0F4-0D7C376FC7CD}"/>
               </a:ext>
             </a:extLst>
           </p:cNvPr>
@@ -4016,8 +4048,8 @@
         </p:blipFill>
         <p:spPr>
           <a:xfrm>
-            <a:off x="5310663" y="3429000"/>
-            <a:ext cx="3564267" cy="3291840"/>
+            <a:off x="5110662" y="3329796"/>
+            <a:ext cx="3465260" cy="3200400"/>
           </a:xfrm>
           <a:prstGeom prst="rect">
             <a:avLst/>
